--- a/SciML-第三次作业.pptx
+++ b/SciML-第三次作业.pptx
@@ -5,10 +5,11 @@
     <p:sldMasterId id="2147483684" r:id="rId1"/>
   </p:sldMasterIdLst>
   <p:notesMasterIdLst>
-    <p:notesMasterId r:id="rId3"/>
+    <p:notesMasterId r:id="rId4"/>
   </p:notesMasterIdLst>
   <p:sldIdLst>
     <p:sldId id="299" r:id="rId2"/>
+    <p:sldId id="300" r:id="rId3"/>
   </p:sldIdLst>
   <p:sldSz cx="9144000" cy="6858000" type="screen4x3"/>
   <p:notesSz cx="6858000" cy="9144000"/>
@@ -197,7 +198,7 @@
           <a:p>
             <a:fld id="{AA24CD06-CDB8-463C-82C0-327730F8ACA7}" type="datetimeFigureOut">
               <a:rPr lang="en-US" smtClean="0"/>
-              <a:t>5/6/2023</a:t>
+              <a:t>5/16/2023</a:t>
             </a:fld>
             <a:endParaRPr lang="en-US"/>
           </a:p>
@@ -596,7 +597,7 @@
           <a:p>
             <a:fld id="{29F8D91E-FFF0-45B5-AFE0-22E101FDFDBC}" type="datetimeFigureOut">
               <a:rPr lang="en-US" smtClean="0"/>
-              <a:t>5/6/2023</a:t>
+              <a:t>5/16/2023</a:t>
             </a:fld>
             <a:endParaRPr lang="en-US"/>
           </a:p>
@@ -766,7 +767,7 @@
           <a:p>
             <a:fld id="{29F8D91E-FFF0-45B5-AFE0-22E101FDFDBC}" type="datetimeFigureOut">
               <a:rPr lang="en-US" smtClean="0"/>
-              <a:t>5/6/2023</a:t>
+              <a:t>5/16/2023</a:t>
             </a:fld>
             <a:endParaRPr lang="en-US"/>
           </a:p>
@@ -946,7 +947,7 @@
           <a:p>
             <a:fld id="{29F8D91E-FFF0-45B5-AFE0-22E101FDFDBC}" type="datetimeFigureOut">
               <a:rPr lang="en-US" smtClean="0"/>
-              <a:t>5/6/2023</a:t>
+              <a:t>5/16/2023</a:t>
             </a:fld>
             <a:endParaRPr lang="en-US"/>
           </a:p>
@@ -1116,7 +1117,7 @@
           <a:p>
             <a:fld id="{29F8D91E-FFF0-45B5-AFE0-22E101FDFDBC}" type="datetimeFigureOut">
               <a:rPr lang="en-US" smtClean="0"/>
-              <a:t>5/6/2023</a:t>
+              <a:t>5/16/2023</a:t>
             </a:fld>
             <a:endParaRPr lang="en-US"/>
           </a:p>
@@ -1360,7 +1361,7 @@
           <a:p>
             <a:fld id="{29F8D91E-FFF0-45B5-AFE0-22E101FDFDBC}" type="datetimeFigureOut">
               <a:rPr lang="en-US" smtClean="0"/>
-              <a:t>5/6/2023</a:t>
+              <a:t>5/16/2023</a:t>
             </a:fld>
             <a:endParaRPr lang="en-US"/>
           </a:p>
@@ -1592,7 +1593,7 @@
           <a:p>
             <a:fld id="{29F8D91E-FFF0-45B5-AFE0-22E101FDFDBC}" type="datetimeFigureOut">
               <a:rPr lang="en-US" smtClean="0"/>
-              <a:t>5/6/2023</a:t>
+              <a:t>5/16/2023</a:t>
             </a:fld>
             <a:endParaRPr lang="en-US"/>
           </a:p>
@@ -1959,7 +1960,7 @@
           <a:p>
             <a:fld id="{29F8D91E-FFF0-45B5-AFE0-22E101FDFDBC}" type="datetimeFigureOut">
               <a:rPr lang="en-US" smtClean="0"/>
-              <a:t>5/6/2023</a:t>
+              <a:t>5/16/2023</a:t>
             </a:fld>
             <a:endParaRPr lang="en-US"/>
           </a:p>
@@ -2077,7 +2078,7 @@
           <a:p>
             <a:fld id="{29F8D91E-FFF0-45B5-AFE0-22E101FDFDBC}" type="datetimeFigureOut">
               <a:rPr lang="en-US" smtClean="0"/>
-              <a:t>5/6/2023</a:t>
+              <a:t>5/16/2023</a:t>
             </a:fld>
             <a:endParaRPr lang="en-US"/>
           </a:p>
@@ -2172,7 +2173,7 @@
           <a:p>
             <a:fld id="{29F8D91E-FFF0-45B5-AFE0-22E101FDFDBC}" type="datetimeFigureOut">
               <a:rPr lang="en-US" smtClean="0"/>
-              <a:t>5/6/2023</a:t>
+              <a:t>5/16/2023</a:t>
             </a:fld>
             <a:endParaRPr lang="en-US"/>
           </a:p>
@@ -2449,7 +2450,7 @@
           <a:p>
             <a:fld id="{29F8D91E-FFF0-45B5-AFE0-22E101FDFDBC}" type="datetimeFigureOut">
               <a:rPr lang="en-US" smtClean="0"/>
-              <a:t>5/6/2023</a:t>
+              <a:t>5/16/2023</a:t>
             </a:fld>
             <a:endParaRPr lang="en-US"/>
           </a:p>
@@ -2706,7 +2707,7 @@
           <a:p>
             <a:fld id="{29F8D91E-FFF0-45B5-AFE0-22E101FDFDBC}" type="datetimeFigureOut">
               <a:rPr lang="en-US" smtClean="0"/>
-              <a:t>5/6/2023</a:t>
+              <a:t>5/16/2023</a:t>
             </a:fld>
             <a:endParaRPr lang="en-US"/>
           </a:p>
@@ -2919,7 +2920,7 @@
           <a:p>
             <a:fld id="{29F8D91E-FFF0-45B5-AFE0-22E101FDFDBC}" type="datetimeFigureOut">
               <a:rPr lang="en-US" smtClean="0"/>
-              <a:t>5/6/2023</a:t>
+              <a:t>5/16/2023</a:t>
             </a:fld>
             <a:endParaRPr lang="en-US"/>
           </a:p>
@@ -3583,6 +3584,402 @@
     <p:extLst>
       <p:ext uri="{BB962C8B-B14F-4D97-AF65-F5344CB8AC3E}">
         <p14:creationId xmlns:p14="http://schemas.microsoft.com/office/powerpoint/2010/main" val="3749181439"/>
+      </p:ext>
+    </p:extLst>
+  </p:cSld>
+  <p:clrMapOvr>
+    <a:masterClrMapping/>
+  </p:clrMapOvr>
+  <mc:AlternateContent xmlns:mc="http://schemas.openxmlformats.org/markup-compatibility/2006" xmlns:p14="http://schemas.microsoft.com/office/powerpoint/2010/main">
+    <mc:Choice Requires="p14">
+      <p:transition spd="slow" p14:dur="2000" advTm="4594"/>
+    </mc:Choice>
+    <mc:Fallback xmlns="">
+      <p:transition spd="slow" advTm="4594"/>
+    </mc:Fallback>
+  </mc:AlternateContent>
+</p:sld>
+</file>
+
+<file path=ppt/slides/slide2.xml><?xml version="1.0" encoding="utf-8"?>
+<p:sld xmlns:a="http://schemas.openxmlformats.org/drawingml/2006/main" xmlns:r="http://schemas.openxmlformats.org/officeDocument/2006/relationships" xmlns:p="http://schemas.openxmlformats.org/presentationml/2006/main">
+  <p:cSld>
+    <p:spTree>
+      <p:nvGrpSpPr>
+        <p:cNvPr id="1" name=""/>
+        <p:cNvGrpSpPr/>
+        <p:nvPr/>
+      </p:nvGrpSpPr>
+      <p:grpSpPr>
+        <a:xfrm>
+          <a:off x="0" y="0"/>
+          <a:ext cx="0" cy="0"/>
+          <a:chOff x="0" y="0"/>
+          <a:chExt cx="0" cy="0"/>
+        </a:xfrm>
+      </p:grpSpPr>
+      <p:sp>
+        <p:nvSpPr>
+          <p:cNvPr id="8" name="圆角矩形 7"/>
+          <p:cNvSpPr/>
+          <p:nvPr/>
+        </p:nvSpPr>
+        <p:spPr>
+          <a:xfrm>
+            <a:off x="0" y="0"/>
+            <a:ext cx="9144000" cy="756138"/>
+          </a:xfrm>
+          <a:prstGeom prst="roundRect">
+            <a:avLst/>
+          </a:prstGeom>
+          <a:solidFill>
+            <a:schemeClr val="bg2"/>
+          </a:solidFill>
+          <a:ln>
+            <a:solidFill>
+              <a:schemeClr val="tx1">
+                <a:lumMod val="50000"/>
+                <a:lumOff val="50000"/>
+              </a:schemeClr>
+            </a:solidFill>
+          </a:ln>
+        </p:spPr>
+        <p:style>
+          <a:lnRef idx="2">
+            <a:schemeClr val="accent1">
+              <a:shade val="50000"/>
+            </a:schemeClr>
+          </a:lnRef>
+          <a:fillRef idx="1">
+            <a:schemeClr val="accent1"/>
+          </a:fillRef>
+          <a:effectRef idx="0">
+            <a:schemeClr val="accent1"/>
+          </a:effectRef>
+          <a:fontRef idx="minor">
+            <a:schemeClr val="lt1"/>
+          </a:fontRef>
+        </p:style>
+        <p:txBody>
+          <a:bodyPr rtlCol="0" anchor="ctr"/>
+          <a:lstStyle/>
+          <a:p>
+            <a:pPr>
+              <a:buClr>
+                <a:srgbClr val="0000FF"/>
+              </a:buClr>
+            </a:pPr>
+            <a:r>
+              <a:rPr lang="en-US" sz="2400" b="1" dirty="0">
+                <a:solidFill>
+                  <a:srgbClr val="C00000"/>
+                </a:solidFill>
+                <a:latin typeface="Microsoft YaHei UI" panose="020B0503020204020204" pitchFamily="34" charset="-122"/>
+                <a:ea typeface="Microsoft YaHei UI" panose="020B0503020204020204" pitchFamily="34" charset="-122"/>
+              </a:rPr>
+              <a:t>Neural Operator for Burgers equation</a:t>
+            </a:r>
+          </a:p>
+        </p:txBody>
+      </p:sp>
+      <p:pic>
+        <p:nvPicPr>
+          <p:cNvPr id="11" name="图片 10">
+            <a:extLst>
+              <a:ext uri="{FF2B5EF4-FFF2-40B4-BE49-F238E27FC236}">
+                <a16:creationId xmlns:a16="http://schemas.microsoft.com/office/drawing/2014/main" id="{6C48807B-86AE-420B-8777-EFF9BC4A07A7}"/>
+              </a:ext>
+            </a:extLst>
+          </p:cNvPr>
+          <p:cNvPicPr>
+            <a:picLocks noChangeAspect="1"/>
+          </p:cNvPicPr>
+          <p:nvPr/>
+        </p:nvPicPr>
+        <p:blipFill>
+          <a:blip r:embed="rId2">
+            <a:extLst>
+              <a:ext uri="{28A0092B-C50C-407E-A947-70E740481C1C}">
+                <a14:useLocalDpi xmlns:a14="http://schemas.microsoft.com/office/drawing/2010/main" val="0"/>
+              </a:ext>
+            </a:extLst>
+          </a:blip>
+          <a:stretch>
+            <a:fillRect/>
+          </a:stretch>
+        </p:blipFill>
+        <p:spPr>
+          <a:xfrm>
+            <a:off x="2800100" y="1349395"/>
+            <a:ext cx="3543795" cy="514422"/>
+          </a:xfrm>
+          <a:prstGeom prst="rect">
+            <a:avLst/>
+          </a:prstGeom>
+        </p:spPr>
+      </p:pic>
+      <p:pic>
+        <p:nvPicPr>
+          <p:cNvPr id="12" name="图片 11">
+            <a:extLst>
+              <a:ext uri="{FF2B5EF4-FFF2-40B4-BE49-F238E27FC236}">
+                <a16:creationId xmlns:a16="http://schemas.microsoft.com/office/drawing/2014/main" id="{F8A1B57C-FCD8-4B9F-95F9-239AF1EA6B9A}"/>
+              </a:ext>
+            </a:extLst>
+          </p:cNvPr>
+          <p:cNvPicPr>
+            <a:picLocks noChangeAspect="1"/>
+          </p:cNvPicPr>
+          <p:nvPr/>
+        </p:nvPicPr>
+        <p:blipFill>
+          <a:blip r:embed="rId3">
+            <a:extLst>
+              <a:ext uri="{28A0092B-C50C-407E-A947-70E740481C1C}">
+                <a14:useLocalDpi xmlns:a14="http://schemas.microsoft.com/office/drawing/2010/main" val="0"/>
+              </a:ext>
+            </a:extLst>
+          </a:blip>
+          <a:stretch>
+            <a:fillRect/>
+          </a:stretch>
+        </p:blipFill>
+        <p:spPr>
+          <a:xfrm>
+            <a:off x="218466" y="2370145"/>
+            <a:ext cx="8630854" cy="809738"/>
+          </a:xfrm>
+          <a:prstGeom prst="rect">
+            <a:avLst/>
+          </a:prstGeom>
+        </p:spPr>
+      </p:pic>
+      <p:sp>
+        <p:nvSpPr>
+          <p:cNvPr id="14" name="文本框 13">
+            <a:extLst>
+              <a:ext uri="{FF2B5EF4-FFF2-40B4-BE49-F238E27FC236}">
+                <a16:creationId xmlns:a16="http://schemas.microsoft.com/office/drawing/2014/main" id="{A4BE83D4-33F5-40A0-9C31-BCDA75FE32BA}"/>
+              </a:ext>
+            </a:extLst>
+          </p:cNvPr>
+          <p:cNvSpPr txBox="1"/>
+          <p:nvPr/>
+        </p:nvSpPr>
+        <p:spPr>
+          <a:xfrm>
+            <a:off x="6597445" y="6589013"/>
+            <a:ext cx="2546555" cy="276999"/>
+          </a:xfrm>
+          <a:prstGeom prst="rect">
+            <a:avLst/>
+          </a:prstGeom>
+          <a:noFill/>
+        </p:spPr>
+        <p:txBody>
+          <a:bodyPr wrap="square" rtlCol="0">
+            <a:spAutoFit/>
+          </a:bodyPr>
+          <a:lstStyle/>
+          <a:p>
+            <a:r>
+              <a:rPr lang="en-US" altLang="zh-CN" sz="1200" i="1" dirty="0" err="1">
+                <a:latin typeface="Times New Roman" panose="02020603050405020304" pitchFamily="18" charset="0"/>
+                <a:cs typeface="Times New Roman" panose="02020603050405020304" pitchFamily="18" charset="0"/>
+              </a:rPr>
+              <a:t>Lu&amp;Meng&amp;Cai</a:t>
+            </a:r>
+            <a:r>
+              <a:rPr lang="en-US" altLang="zh-CN" sz="1200" i="1" dirty="0">
+                <a:latin typeface="Times New Roman" panose="02020603050405020304" pitchFamily="18" charset="0"/>
+                <a:cs typeface="Times New Roman" panose="02020603050405020304" pitchFamily="18" charset="0"/>
+              </a:rPr>
+              <a:t>, et al., CMAME, 2022</a:t>
+            </a:r>
+            <a:endParaRPr lang="zh-CN" altLang="en-US" sz="1200" i="1" dirty="0">
+              <a:latin typeface="Times New Roman" panose="02020603050405020304" pitchFamily="18" charset="0"/>
+              <a:cs typeface="Times New Roman" panose="02020603050405020304" pitchFamily="18" charset="0"/>
+            </a:endParaRPr>
+          </a:p>
+        </p:txBody>
+      </p:sp>
+      <p:sp>
+        <p:nvSpPr>
+          <p:cNvPr id="2" name="文本框 1">
+            <a:extLst>
+              <a:ext uri="{FF2B5EF4-FFF2-40B4-BE49-F238E27FC236}">
+                <a16:creationId xmlns:a16="http://schemas.microsoft.com/office/drawing/2014/main" id="{B2EF7E6A-E531-4B2A-ADB6-C3CCF54090C7}"/>
+              </a:ext>
+            </a:extLst>
+          </p:cNvPr>
+          <p:cNvSpPr txBox="1"/>
+          <p:nvPr/>
+        </p:nvSpPr>
+        <p:spPr>
+          <a:xfrm>
+            <a:off x="523779" y="3639728"/>
+            <a:ext cx="8096435" cy="2308324"/>
+          </a:xfrm>
+          <a:prstGeom prst="rect">
+            <a:avLst/>
+          </a:prstGeom>
+          <a:noFill/>
+        </p:spPr>
+        <p:txBody>
+          <a:bodyPr wrap="square" rtlCol="0">
+            <a:spAutoFit/>
+          </a:bodyPr>
+          <a:lstStyle/>
+          <a:p>
+            <a:r>
+              <a:rPr lang="zh-CN" altLang="en-US" dirty="0"/>
+              <a:t>训练数据：</a:t>
+            </a:r>
+            <a:r>
+              <a:rPr lang="en-US" altLang="zh-CN" dirty="0"/>
+              <a:t>Codes/Lecture-10/</a:t>
+            </a:r>
+            <a:r>
+              <a:rPr lang="en-US" altLang="zh-CN" dirty="0" err="1"/>
+              <a:t>Burgers_data</a:t>
+            </a:r>
+            <a:r>
+              <a:rPr lang="zh-CN" altLang="en-US" dirty="0"/>
+              <a:t>文件夹中</a:t>
+            </a:r>
+            <a:endParaRPr lang="en-US" altLang="zh-CN" dirty="0"/>
+          </a:p>
+          <a:p>
+            <a:r>
+              <a:rPr lang="en-US" altLang="zh-CN" dirty="0" err="1"/>
+              <a:t>burgers_data.mat</a:t>
+            </a:r>
+            <a:r>
+              <a:rPr lang="zh-CN" altLang="en-US" dirty="0"/>
+              <a:t>文件简介：</a:t>
+            </a:r>
+            <a:endParaRPr lang="en-US" altLang="zh-CN" dirty="0"/>
+          </a:p>
+          <a:p>
+            <a:r>
+              <a:rPr lang="en-US" altLang="zh-CN" dirty="0" err="1"/>
+              <a:t>u_init</a:t>
+            </a:r>
+            <a:r>
+              <a:rPr lang="en-US" altLang="zh-CN" dirty="0"/>
+              <a:t>: </a:t>
+            </a:r>
+            <a:r>
+              <a:rPr lang="zh-CN" altLang="en-US" dirty="0"/>
+              <a:t>不同初始条件  </a:t>
+            </a:r>
+            <a:r>
+              <a:rPr lang="en-US" altLang="zh-CN" dirty="0"/>
+              <a:t>u_t_1: t=1</a:t>
+            </a:r>
+            <a:r>
+              <a:rPr lang="zh-CN" altLang="en-US" dirty="0"/>
+              <a:t>时刻对应解</a:t>
+            </a:r>
+            <a:endParaRPr lang="en-US" altLang="zh-CN" dirty="0"/>
+          </a:p>
+          <a:p>
+            <a:r>
+              <a:rPr lang="en-US" altLang="zh-CN" dirty="0"/>
+              <a:t>x: </a:t>
+            </a:r>
+            <a:r>
+              <a:rPr lang="zh-CN" altLang="en-US" dirty="0"/>
+              <a:t>空间坐标</a:t>
+            </a:r>
+            <a:endParaRPr lang="en-US" altLang="zh-CN" dirty="0"/>
+          </a:p>
+          <a:p>
+            <a:r>
+              <a:rPr lang="zh-CN" altLang="en-US" dirty="0"/>
+              <a:t>说明：</a:t>
+            </a:r>
+            <a:endParaRPr lang="en-US" altLang="zh-CN" dirty="0"/>
+          </a:p>
+          <a:p>
+            <a:pPr marL="285750" indent="-285750">
+              <a:buFont typeface="Wingdings" panose="05000000000000000000" pitchFamily="2" charset="2"/>
+              <a:buChar char="Ø"/>
+            </a:pPr>
+            <a:r>
+              <a:rPr lang="zh-CN" altLang="en-US" dirty="0"/>
+              <a:t>共</a:t>
+            </a:r>
+            <a:r>
+              <a:rPr lang="en-US" altLang="zh-CN" dirty="0"/>
+              <a:t>2048</a:t>
+            </a:r>
+            <a:r>
+              <a:rPr lang="zh-CN" altLang="en-US" dirty="0"/>
+              <a:t>组不同数据，每一组空间分辨率为</a:t>
+            </a:r>
+            <a:r>
+              <a:rPr lang="en-US" altLang="zh-CN" dirty="0"/>
+              <a:t>64</a:t>
+            </a:r>
+            <a:r>
+              <a:rPr lang="zh-CN" altLang="en-US" dirty="0"/>
+              <a:t>，相应坐标为</a:t>
+            </a:r>
+            <a:r>
+              <a:rPr lang="en-US" altLang="zh-CN" dirty="0"/>
+              <a:t>x</a:t>
+            </a:r>
+          </a:p>
+          <a:p>
+            <a:pPr marL="285750" indent="-285750">
+              <a:buFont typeface="Wingdings" panose="05000000000000000000" pitchFamily="2" charset="2"/>
+              <a:buChar char="Ø"/>
+            </a:pPr>
+            <a:r>
+              <a:rPr lang="zh-CN" altLang="en-US" dirty="0"/>
+              <a:t>训练网络时，可从整体数据中选取前</a:t>
+            </a:r>
+            <a:r>
+              <a:rPr lang="en-US" altLang="zh-CN" dirty="0"/>
+              <a:t>500</a:t>
+            </a:r>
+            <a:r>
+              <a:rPr lang="zh-CN" altLang="en-US" dirty="0"/>
+              <a:t>， </a:t>
+            </a:r>
+            <a:r>
+              <a:rPr lang="en-US" altLang="zh-CN" dirty="0"/>
+              <a:t>1000</a:t>
+            </a:r>
+            <a:r>
+              <a:rPr lang="zh-CN" altLang="en-US" dirty="0"/>
+              <a:t>， </a:t>
+            </a:r>
+            <a:r>
+              <a:rPr lang="en-US" altLang="zh-CN" dirty="0"/>
+              <a:t>1500</a:t>
+            </a:r>
+            <a:r>
+              <a:rPr lang="zh-CN" altLang="en-US" dirty="0"/>
+              <a:t>组作为训练数据，最后</a:t>
+            </a:r>
+            <a:r>
+              <a:rPr lang="en-US" altLang="zh-CN" dirty="0"/>
+              <a:t>100</a:t>
+            </a:r>
+            <a:r>
+              <a:rPr lang="zh-CN" altLang="en-US" dirty="0"/>
+              <a:t>组作为测试数据，研究数据对预测精度的影响</a:t>
+            </a:r>
+            <a:endParaRPr lang="en-US" altLang="zh-CN" dirty="0"/>
+          </a:p>
+        </p:txBody>
+      </p:sp>
+    </p:spTree>
+    <p:extLst>
+      <p:ext uri="{BB962C8B-B14F-4D97-AF65-F5344CB8AC3E}">
+        <p14:creationId xmlns:p14="http://schemas.microsoft.com/office/powerpoint/2010/main" val="620254785"/>
       </p:ext>
     </p:extLst>
   </p:cSld>
